--- a/VIS WORKSPACE/VIS INTSUM template.pptx
+++ b/VIS WORKSPACE/VIS INTSUM template.pptx
@@ -5,11 +5,12 @@
     <p:sldMasterId id="2147483648" r:id="rId1"/>
   </p:sldMasterIdLst>
   <p:notesMasterIdLst>
-    <p:notesMasterId r:id="rId4"/>
+    <p:notesMasterId r:id="rId5"/>
   </p:notesMasterIdLst>
   <p:sldIdLst>
     <p:sldId id="257" r:id="rId2"/>
     <p:sldId id="356" r:id="rId3"/>
+    <p:sldId id="357" r:id="rId4"/>
   </p:sldIdLst>
   <p:sldSz cx="5143500" cy="9144000" type="screen16x9"/>
   <p:notesSz cx="6858000" cy="9144000"/>
@@ -3262,7 +3263,9 @@
     <p:bg>
       <p:bgPr>
         <a:solidFill>
-          <a:schemeClr val="bg1"/>
+          <a:schemeClr val="bg1">
+            <a:lumMod val="85000"/>
+          </a:schemeClr>
         </a:solidFill>
         <a:effectLst/>
       </p:bgPr>
@@ -3984,7 +3987,7 @@
         </p:blipFill>
         <p:spPr bwMode="auto">
           <a:xfrm>
-            <a:off x="51470" y="1115615"/>
+            <a:off x="-5493146" y="611560"/>
             <a:ext cx="5035087" cy="3240361"/>
           </a:xfrm>
           <a:prstGeom prst="rect">
@@ -4163,6 +4166,85 @@
             <a:endParaRPr lang="en-US" dirty="0">
               <a:latin typeface="Arial" pitchFamily="34" charset="0"/>
               <a:cs typeface="Arial" pitchFamily="34" charset="0"/>
+            </a:endParaRPr>
+          </a:p>
+        </p:txBody>
+      </p:sp>
+      <p:pic>
+        <p:nvPicPr>
+          <p:cNvPr id="7" name="Picture 2" descr="C:\Users\Sjefen\Desktop\OPUF VIS logo\Virtual_Intelligence_Service_only_logo.PNG"/>
+          <p:cNvPicPr>
+            <a:picLocks noChangeAspect="1" noChangeArrowheads="1"/>
+          </p:cNvPicPr>
+          <p:nvPr/>
+        </p:nvPicPr>
+        <p:blipFill>
+          <a:blip r:embed="rId4" cstate="print"/>
+          <a:srcRect/>
+          <a:stretch>
+            <a:fillRect/>
+          </a:stretch>
+        </p:blipFill>
+        <p:spPr bwMode="auto">
+          <a:xfrm>
+            <a:off x="1059582" y="1313056"/>
+            <a:ext cx="2634732" cy="2319015"/>
+          </a:xfrm>
+          <a:prstGeom prst="rect">
+            <a:avLst/>
+          </a:prstGeom>
+          <a:noFill/>
+        </p:spPr>
+      </p:pic>
+      <p:sp>
+        <p:nvSpPr>
+          <p:cNvPr id="10" name="TekstSylinder 9"/>
+          <p:cNvSpPr txBox="1"/>
+          <p:nvPr/>
+        </p:nvSpPr>
+        <p:spPr>
+          <a:xfrm>
+            <a:off x="0" y="3473296"/>
+            <a:ext cx="5143500" cy="738664"/>
+          </a:xfrm>
+          <a:prstGeom prst="rect">
+            <a:avLst/>
+          </a:prstGeom>
+          <a:noFill/>
+        </p:spPr>
+        <p:txBody>
+          <a:bodyPr wrap="square" rtlCol="0">
+            <a:spAutoFit/>
+          </a:bodyPr>
+          <a:lstStyle/>
+          <a:p>
+            <a:pPr algn="ctr"/>
+            <a:r>
+              <a:rPr lang="en-US" sz="2400" b="1" dirty="0" smtClean="0">
+                <a:solidFill>
+                  <a:srgbClr val="35261F"/>
+                </a:solidFill>
+                <a:latin typeface="Constantia" pitchFamily="18" charset="0"/>
+              </a:rPr>
+              <a:t>VIRTUAL INTELLIGENCE SERVICE</a:t>
+            </a:r>
+          </a:p>
+          <a:p>
+            <a:pPr algn="ctr"/>
+            <a:r>
+              <a:rPr lang="en-US" b="1" i="1" dirty="0" smtClean="0">
+                <a:solidFill>
+                  <a:srgbClr val="35261F"/>
+                </a:solidFill>
+                <a:latin typeface="Constantia" pitchFamily="18" charset="0"/>
+              </a:rPr>
+              <a:t>VICTORIA PER INTELLECTUM</a:t>
+            </a:r>
+            <a:endParaRPr lang="en-US" b="1" i="1" dirty="0">
+              <a:solidFill>
+                <a:srgbClr val="35261F"/>
+              </a:solidFill>
+              <a:latin typeface="Constantia" pitchFamily="18" charset="0"/>
             </a:endParaRPr>
           </a:p>
         </p:txBody>
@@ -5033,6 +5115,114 @@
 </p:sld>
 </file>
 
+<file path=ppt/slides/slide3.xml><?xml version="1.0" encoding="utf-8"?>
+<p:sld xmlns:a="http://schemas.openxmlformats.org/drawingml/2006/main" xmlns:r="http://schemas.openxmlformats.org/officeDocument/2006/relationships" xmlns:p="http://schemas.openxmlformats.org/presentationml/2006/main">
+  <p:cSld>
+    <p:spTree>
+      <p:nvGrpSpPr>
+        <p:cNvPr id="1" name=""/>
+        <p:cNvGrpSpPr/>
+        <p:nvPr/>
+      </p:nvGrpSpPr>
+      <p:grpSpPr>
+        <a:xfrm>
+          <a:off x="0" y="0"/>
+          <a:ext cx="0" cy="0"/>
+          <a:chOff x="0" y="0"/>
+          <a:chExt cx="0" cy="0"/>
+        </a:xfrm>
+      </p:grpSpPr>
+      <p:sp>
+        <p:nvSpPr>
+          <p:cNvPr id="2" name="Tittel 1"/>
+          <p:cNvSpPr>
+            <a:spLocks noGrp="1"/>
+          </p:cNvSpPr>
+          <p:nvPr>
+            <p:ph type="title"/>
+          </p:nvPr>
+        </p:nvSpPr>
+        <p:spPr/>
+        <p:txBody>
+          <a:bodyPr/>
+          <a:lstStyle/>
+          <a:p>
+            <a:endParaRPr lang="en-US"/>
+          </a:p>
+        </p:txBody>
+      </p:sp>
+      <p:pic>
+        <p:nvPicPr>
+          <p:cNvPr id="1026" name="Picture 2"/>
+          <p:cNvPicPr>
+            <a:picLocks noChangeAspect="1" noChangeArrowheads="1"/>
+          </p:cNvPicPr>
+          <p:nvPr/>
+        </p:nvPicPr>
+        <p:blipFill>
+          <a:blip r:embed="rId2" cstate="print"/>
+          <a:srcRect/>
+          <a:stretch>
+            <a:fillRect/>
+          </a:stretch>
+        </p:blipFill>
+        <p:spPr bwMode="auto">
+          <a:xfrm>
+            <a:off x="-6429250" y="1115616"/>
+            <a:ext cx="5267325" cy="7315200"/>
+          </a:xfrm>
+          <a:prstGeom prst="rect">
+            <a:avLst/>
+          </a:prstGeom>
+          <a:noFill/>
+          <a:ln w="9525">
+            <a:noFill/>
+            <a:miter lim="800000"/>
+            <a:headEnd/>
+            <a:tailEnd/>
+          </a:ln>
+        </p:spPr>
+      </p:pic>
+      <p:pic>
+        <p:nvPicPr>
+          <p:cNvPr id="1027" name="Picture 3"/>
+          <p:cNvPicPr>
+            <a:picLocks noChangeAspect="1" noChangeArrowheads="1"/>
+          </p:cNvPicPr>
+          <p:nvPr/>
+        </p:nvPicPr>
+        <p:blipFill>
+          <a:blip r:embed="rId3" cstate="print"/>
+          <a:srcRect/>
+          <a:stretch>
+            <a:fillRect/>
+          </a:stretch>
+        </p:blipFill>
+        <p:spPr bwMode="auto">
+          <a:xfrm>
+            <a:off x="-233363" y="1985963"/>
+            <a:ext cx="5610226" cy="5172075"/>
+          </a:xfrm>
+          <a:prstGeom prst="rect">
+            <a:avLst/>
+          </a:prstGeom>
+          <a:noFill/>
+          <a:ln w="9525">
+            <a:noFill/>
+            <a:miter lim="800000"/>
+            <a:headEnd/>
+            <a:tailEnd/>
+          </a:ln>
+        </p:spPr>
+      </p:pic>
+    </p:spTree>
+  </p:cSld>
+  <p:clrMapOvr>
+    <a:masterClrMapping/>
+  </p:clrMapOvr>
+</p:sld>
+</file>
+
 <file path=ppt/theme/theme1.xml><?xml version="1.0" encoding="utf-8"?>
 <a:theme xmlns:a="http://schemas.openxmlformats.org/drawingml/2006/main" name="Kontortema">
   <a:themeElements>
